--- a/PPT/DeepLearning07-TensorFlow.pptx
+++ b/PPT/DeepLearning07-TensorFlow.pptx
@@ -3706,13 +3706,8 @@
             <a:pPr eaLnBrk="1" hangingPunct="1"/>
             <a:r>
               <a:rPr lang="fr-FR" altLang="fr-FR" dirty="0" smtClean="0"/>
-              <a:t>Chapitre </a:t>
-            </a:r>
-            <a:r>
-              <a:rPr lang="fr-FR" altLang="fr-FR" dirty="0" smtClean="0"/>
-              <a:t>7</a:t>
-            </a:r>
-            <a:endParaRPr lang="fr-FR" altLang="fr-FR" dirty="0" smtClean="0"/>
+              <a:t>Chapitre 7</a:t>
+            </a:r>
           </a:p>
           <a:p>
             <a:pPr eaLnBrk="1" hangingPunct="1"/>
@@ -4729,6 +4724,13 @@
   <p:clrMapOvr>
     <a:masterClrMapping/>
   </p:clrMapOvr>
+  <p:timing>
+    <p:tnLst>
+      <p:par>
+        <p:cTn id="1" dur="indefinite" restart="never" nodeType="tmRoot"/>
+      </p:par>
+    </p:tnLst>
+  </p:timing>
 </p:sld>
 </file>
 
@@ -4882,6 +4884,13 @@
   <p:clrMapOvr>
     <a:masterClrMapping/>
   </p:clrMapOvr>
+  <p:timing>
+    <p:tnLst>
+      <p:par>
+        <p:cTn id="1" dur="indefinite" restart="never" nodeType="tmRoot"/>
+      </p:par>
+    </p:tnLst>
+  </p:timing>
 </p:sld>
 </file>
 
@@ -5105,7 +5114,6 @@
               <a:rPr lang="fr-FR" dirty="0" smtClean="0"/>
               <a:t> 2</a:t>
             </a:r>
-            <a:endParaRPr lang="fr-FR" dirty="0" smtClean="0"/>
           </a:p>
           <a:p>
             <a:pPr lvl="1"/>
@@ -5123,6 +5131,13 @@
   <p:clrMapOvr>
     <a:masterClrMapping/>
   </p:clrMapOvr>
+  <p:timing>
+    <p:tnLst>
+      <p:par>
+        <p:cTn id="1" dur="indefinite" restart="never" nodeType="tmRoot"/>
+      </p:par>
+    </p:tnLst>
+  </p:timing>
 </p:sld>
 </file>
 
@@ -5659,7 +5674,7 @@
             </a:r>
             <a:r>
               <a:rPr lang="fr-FR" dirty="0" err="1" smtClean="0"/>
-              <a:t>tensorflow-gpu</a:t>
+              <a:t>tensorflow</a:t>
             </a:r>
             <a:endParaRPr lang="fr-FR" dirty="0" smtClean="0"/>
           </a:p>
